--- a/_PowerPoints/Phenotypic Variance by Testosterone Levels.pptx
+++ b/_PowerPoints/Phenotypic Variance by Testosterone Levels.pptx
@@ -285,7 +285,7 @@
           <a:p>
             <a:fld id="{8A9CEA0F-559B-48C9-BC91-A71C452DDF7B}" type="datetimeFigureOut">
               <a:rPr lang="en-US" smtClean="0"/>
-              <a:t>11/12/2021</a:t>
+              <a:t>11/17/2021</a:t>
             </a:fld>
             <a:endParaRPr lang="en-US"/>
           </a:p>
@@ -483,7 +483,7 @@
           <a:p>
             <a:fld id="{8A9CEA0F-559B-48C9-BC91-A71C452DDF7B}" type="datetimeFigureOut">
               <a:rPr lang="en-US" smtClean="0"/>
-              <a:t>11/12/2021</a:t>
+              <a:t>11/17/2021</a:t>
             </a:fld>
             <a:endParaRPr lang="en-US"/>
           </a:p>
@@ -691,7 +691,7 @@
           <a:p>
             <a:fld id="{8A9CEA0F-559B-48C9-BC91-A71C452DDF7B}" type="datetimeFigureOut">
               <a:rPr lang="en-US" smtClean="0"/>
-              <a:t>11/12/2021</a:t>
+              <a:t>11/17/2021</a:t>
             </a:fld>
             <a:endParaRPr lang="en-US"/>
           </a:p>
@@ -889,7 +889,7 @@
           <a:p>
             <a:fld id="{8A9CEA0F-559B-48C9-BC91-A71C452DDF7B}" type="datetimeFigureOut">
               <a:rPr lang="en-US" smtClean="0"/>
-              <a:t>11/12/2021</a:t>
+              <a:t>11/17/2021</a:t>
             </a:fld>
             <a:endParaRPr lang="en-US"/>
           </a:p>
@@ -1164,7 +1164,7 @@
           <a:p>
             <a:fld id="{8A9CEA0F-559B-48C9-BC91-A71C452DDF7B}" type="datetimeFigureOut">
               <a:rPr lang="en-US" smtClean="0"/>
-              <a:t>11/12/2021</a:t>
+              <a:t>11/17/2021</a:t>
             </a:fld>
             <a:endParaRPr lang="en-US"/>
           </a:p>
@@ -1429,7 +1429,7 @@
           <a:p>
             <a:fld id="{8A9CEA0F-559B-48C9-BC91-A71C452DDF7B}" type="datetimeFigureOut">
               <a:rPr lang="en-US" smtClean="0"/>
-              <a:t>11/12/2021</a:t>
+              <a:t>11/17/2021</a:t>
             </a:fld>
             <a:endParaRPr lang="en-US"/>
           </a:p>
@@ -1841,7 +1841,7 @@
           <a:p>
             <a:fld id="{8A9CEA0F-559B-48C9-BC91-A71C452DDF7B}" type="datetimeFigureOut">
               <a:rPr lang="en-US" smtClean="0"/>
-              <a:t>11/12/2021</a:t>
+              <a:t>11/17/2021</a:t>
             </a:fld>
             <a:endParaRPr lang="en-US"/>
           </a:p>
@@ -1982,7 +1982,7 @@
           <a:p>
             <a:fld id="{8A9CEA0F-559B-48C9-BC91-A71C452DDF7B}" type="datetimeFigureOut">
               <a:rPr lang="en-US" smtClean="0"/>
-              <a:t>11/12/2021</a:t>
+              <a:t>11/17/2021</a:t>
             </a:fld>
             <a:endParaRPr lang="en-US"/>
           </a:p>
@@ -2095,7 +2095,7 @@
           <a:p>
             <a:fld id="{8A9CEA0F-559B-48C9-BC91-A71C452DDF7B}" type="datetimeFigureOut">
               <a:rPr lang="en-US" smtClean="0"/>
-              <a:t>11/12/2021</a:t>
+              <a:t>11/17/2021</a:t>
             </a:fld>
             <a:endParaRPr lang="en-US"/>
           </a:p>
@@ -2406,7 +2406,7 @@
           <a:p>
             <a:fld id="{8A9CEA0F-559B-48C9-BC91-A71C452DDF7B}" type="datetimeFigureOut">
               <a:rPr lang="en-US" smtClean="0"/>
-              <a:t>11/12/2021</a:t>
+              <a:t>11/17/2021</a:t>
             </a:fld>
             <a:endParaRPr lang="en-US"/>
           </a:p>
@@ -2694,7 +2694,7 @@
           <a:p>
             <a:fld id="{8A9CEA0F-559B-48C9-BC91-A71C452DDF7B}" type="datetimeFigureOut">
               <a:rPr lang="en-US" smtClean="0"/>
-              <a:t>11/12/2021</a:t>
+              <a:t>11/17/2021</a:t>
             </a:fld>
             <a:endParaRPr lang="en-US"/>
           </a:p>
@@ -2935,7 +2935,7 @@
           <a:p>
             <a:fld id="{8A9CEA0F-559B-48C9-BC91-A71C452DDF7B}" type="datetimeFigureOut">
               <a:rPr lang="en-US" smtClean="0"/>
-              <a:t>11/12/2021</a:t>
+              <a:t>11/17/2021</a:t>
             </a:fld>
             <a:endParaRPr lang="en-US"/>
           </a:p>
@@ -4888,6 +4888,42 @@
         <p:spPr>
           <a:xfrm>
             <a:off x="2076439" y="166683"/>
+            <a:ext cx="7829561" cy="6524634"/>
+          </a:xfrm>
+          <a:prstGeom prst="rect">
+            <a:avLst/>
+          </a:prstGeom>
+        </p:spPr>
+      </p:pic>
+      <p:pic>
+        <p:nvPicPr>
+          <p:cNvPr id="3" name="Picture 2" descr="Chart&#10;&#10;Description automatically generated with medium confidence">
+            <a:extLst>
+              <a:ext uri="{FF2B5EF4-FFF2-40B4-BE49-F238E27FC236}">
+                <a16:creationId xmlns:a16="http://schemas.microsoft.com/office/drawing/2014/main" id="{A0605DDA-429A-4E43-8BF0-162858BE0450}"/>
+              </a:ext>
+            </a:extLst>
+          </p:cNvPr>
+          <p:cNvPicPr>
+            <a:picLocks noChangeAspect="1"/>
+          </p:cNvPicPr>
+          <p:nvPr/>
+        </p:nvPicPr>
+        <p:blipFill>
+          <a:blip r:embed="rId2">
+            <a:extLst>
+              <a:ext uri="{28A0092B-C50C-407E-A947-70E740481C1C}">
+                <a14:useLocalDpi xmlns:a14="http://schemas.microsoft.com/office/drawing/2010/main" val="0"/>
+              </a:ext>
+            </a:extLst>
+          </a:blip>
+          <a:stretch>
+            <a:fillRect/>
+          </a:stretch>
+        </p:blipFill>
+        <p:spPr>
+          <a:xfrm>
+            <a:off x="2076439" y="126927"/>
             <a:ext cx="7829561" cy="6524634"/>
           </a:xfrm>
           <a:prstGeom prst="rect">
